--- a/Project/note/pptReference/template.pptx
+++ b/Project/note/pptReference/template.pptx
@@ -106,6 +106,11 @@
       </a:defRPr>
     </a:lvl9pPr>
   </p:defaultTextStyle>
+  <p:extLst>
+    <p:ext uri="{EFAFB233-063F-42B5-8137-9DF3F51BA10A}">
+      <p15:sldGuideLst xmlns:p15="http://schemas.microsoft.com/office/powerpoint/2012/main"/>
+    </p:ext>
+  </p:extLst>
 </p:presentation>
 </file>
 
@@ -298,7 +303,7 @@
           <a:p>
             <a:fld id="{412B62B1-68A3-446E-988E-514CA4A8E539}" type="datetimeFigureOut">
               <a:rPr lang="ko-KR" altLang="en-US" smtClean="0"/>
-              <a:t>2022-06-28</a:t>
+              <a:t>2022-06-29</a:t>
             </a:fld>
             <a:endParaRPr lang="ko-KR" altLang="en-US"/>
           </a:p>
@@ -468,7 +473,7 @@
           <a:p>
             <a:fld id="{412B62B1-68A3-446E-988E-514CA4A8E539}" type="datetimeFigureOut">
               <a:rPr lang="ko-KR" altLang="en-US" smtClean="0"/>
-              <a:t>2022-06-28</a:t>
+              <a:t>2022-06-29</a:t>
             </a:fld>
             <a:endParaRPr lang="ko-KR" altLang="en-US"/>
           </a:p>
@@ -648,7 +653,7 @@
           <a:p>
             <a:fld id="{412B62B1-68A3-446E-988E-514CA4A8E539}" type="datetimeFigureOut">
               <a:rPr lang="ko-KR" altLang="en-US" smtClean="0"/>
-              <a:t>2022-06-28</a:t>
+              <a:t>2022-06-29</a:t>
             </a:fld>
             <a:endParaRPr lang="ko-KR" altLang="en-US"/>
           </a:p>
@@ -818,7 +823,7 @@
           <a:p>
             <a:fld id="{412B62B1-68A3-446E-988E-514CA4A8E539}" type="datetimeFigureOut">
               <a:rPr lang="ko-KR" altLang="en-US" smtClean="0"/>
-              <a:t>2022-06-28</a:t>
+              <a:t>2022-06-29</a:t>
             </a:fld>
             <a:endParaRPr lang="ko-KR" altLang="en-US"/>
           </a:p>
@@ -1062,7 +1067,7 @@
           <a:p>
             <a:fld id="{412B62B1-68A3-446E-988E-514CA4A8E539}" type="datetimeFigureOut">
               <a:rPr lang="ko-KR" altLang="en-US" smtClean="0"/>
-              <a:t>2022-06-28</a:t>
+              <a:t>2022-06-29</a:t>
             </a:fld>
             <a:endParaRPr lang="ko-KR" altLang="en-US"/>
           </a:p>
@@ -1294,7 +1299,7 @@
           <a:p>
             <a:fld id="{412B62B1-68A3-446E-988E-514CA4A8E539}" type="datetimeFigureOut">
               <a:rPr lang="ko-KR" altLang="en-US" smtClean="0"/>
-              <a:t>2022-06-28</a:t>
+              <a:t>2022-06-29</a:t>
             </a:fld>
             <a:endParaRPr lang="ko-KR" altLang="en-US"/>
           </a:p>
@@ -1661,7 +1666,7 @@
           <a:p>
             <a:fld id="{412B62B1-68A3-446E-988E-514CA4A8E539}" type="datetimeFigureOut">
               <a:rPr lang="ko-KR" altLang="en-US" smtClean="0"/>
-              <a:t>2022-06-28</a:t>
+              <a:t>2022-06-29</a:t>
             </a:fld>
             <a:endParaRPr lang="ko-KR" altLang="en-US"/>
           </a:p>
@@ -1779,7 +1784,7 @@
           <a:p>
             <a:fld id="{412B62B1-68A3-446E-988E-514CA4A8E539}" type="datetimeFigureOut">
               <a:rPr lang="ko-KR" altLang="en-US" smtClean="0"/>
-              <a:t>2022-06-28</a:t>
+              <a:t>2022-06-29</a:t>
             </a:fld>
             <a:endParaRPr lang="ko-KR" altLang="en-US"/>
           </a:p>
@@ -1874,7 +1879,7 @@
           <a:p>
             <a:fld id="{412B62B1-68A3-446E-988E-514CA4A8E539}" type="datetimeFigureOut">
               <a:rPr lang="ko-KR" altLang="en-US" smtClean="0"/>
-              <a:t>2022-06-28</a:t>
+              <a:t>2022-06-29</a:t>
             </a:fld>
             <a:endParaRPr lang="ko-KR" altLang="en-US"/>
           </a:p>
@@ -2151,7 +2156,7 @@
           <a:p>
             <a:fld id="{412B62B1-68A3-446E-988E-514CA4A8E539}" type="datetimeFigureOut">
               <a:rPr lang="ko-KR" altLang="en-US" smtClean="0"/>
-              <a:t>2022-06-28</a:t>
+              <a:t>2022-06-29</a:t>
             </a:fld>
             <a:endParaRPr lang="ko-KR" altLang="en-US"/>
           </a:p>
@@ -2408,7 +2413,7 @@
           <a:p>
             <a:fld id="{412B62B1-68A3-446E-988E-514CA4A8E539}" type="datetimeFigureOut">
               <a:rPr lang="ko-KR" altLang="en-US" smtClean="0"/>
-              <a:t>2022-06-28</a:t>
+              <a:t>2022-06-29</a:t>
             </a:fld>
             <a:endParaRPr lang="ko-KR" altLang="en-US"/>
           </a:p>
@@ -2621,7 +2626,7 @@
           <a:p>
             <a:fld id="{412B62B1-68A3-446E-988E-514CA4A8E539}" type="datetimeFigureOut">
               <a:rPr lang="ko-KR" altLang="en-US" smtClean="0"/>
-              <a:t>2022-06-28</a:t>
+              <a:t>2022-06-29</a:t>
             </a:fld>
             <a:endParaRPr lang="ko-KR" altLang="en-US"/>
           </a:p>
@@ -4779,17 +4784,7 @@
                 <a:latin typeface="Microsoft YaHei UI Light" panose="020B0502040204020203" pitchFamily="34" charset="-122"/>
                 <a:ea typeface="Microsoft YaHei UI Light" panose="020B0502040204020203" pitchFamily="34" charset="-122"/>
               </a:rPr>
-              <a:t>홍길동님</a:t>
-            </a:r>
-            <a:r>
-              <a:rPr lang="ko-KR" altLang="en-US" sz="1200" cap="all" dirty="0" smtClean="0">
-                <a:solidFill>
-                  <a:srgbClr val="423C32"/>
-                </a:solidFill>
-                <a:latin typeface="Microsoft YaHei UI Light" panose="020B0502040204020203" pitchFamily="34" charset="-122"/>
-                <a:ea typeface="Microsoft YaHei UI Light" panose="020B0502040204020203" pitchFamily="34" charset="-122"/>
-              </a:rPr>
-              <a:t>      로그아웃</a:t>
+              <a:t>홍길동님      로그아웃</a:t>
             </a:r>
             <a:endParaRPr lang="en-US" altLang="ko-KR" sz="1200" u="sng" dirty="0">
               <a:solidFill>

--- a/Project/note/pptReference/template.pptx
+++ b/Project/note/pptReference/template.pptx
@@ -214,7 +214,7 @@
           </a:lstStyle>
           <a:p>
             <a:r>
-              <a:rPr lang="ko-KR" altLang="en-US" smtClean="0"/>
+              <a:rPr lang="ko-KR" altLang="en-US"/>
               <a:t>마스터 제목 스타일 편집</a:t>
             </a:r>
             <a:endParaRPr lang="en-US" dirty="0"/>
@@ -279,7 +279,7 @@
           </a:lstStyle>
           <a:p>
             <a:r>
-              <a:rPr lang="ko-KR" altLang="en-US" smtClean="0"/>
+              <a:rPr lang="ko-KR" altLang="en-US"/>
               <a:t>클릭하여 마스터 부제목 스타일 편집</a:t>
             </a:r>
             <a:endParaRPr lang="en-US" dirty="0"/>
@@ -397,7 +397,7 @@
           <a:lstStyle/>
           <a:p>
             <a:r>
-              <a:rPr lang="ko-KR" altLang="en-US" smtClean="0"/>
+              <a:rPr lang="ko-KR" altLang="en-US"/>
               <a:t>마스터 제목 스타일 편집</a:t>
             </a:r>
             <a:endParaRPr lang="en-US" dirty="0"/>
@@ -421,35 +421,35 @@
           <a:p>
             <a:pPr lvl="0"/>
             <a:r>
-              <a:rPr lang="ko-KR" altLang="en-US" smtClean="0"/>
+              <a:rPr lang="ko-KR" altLang="en-US"/>
               <a:t>마스터 텍스트 스타일 편집</a:t>
             </a:r>
           </a:p>
           <a:p>
             <a:pPr lvl="1"/>
             <a:r>
-              <a:rPr lang="ko-KR" altLang="en-US" smtClean="0"/>
+              <a:rPr lang="ko-KR" altLang="en-US"/>
               <a:t>둘째 수준</a:t>
             </a:r>
           </a:p>
           <a:p>
             <a:pPr lvl="2"/>
             <a:r>
-              <a:rPr lang="ko-KR" altLang="en-US" smtClean="0"/>
+              <a:rPr lang="ko-KR" altLang="en-US"/>
               <a:t>셋째 수준</a:t>
             </a:r>
           </a:p>
           <a:p>
             <a:pPr lvl="3"/>
             <a:r>
-              <a:rPr lang="ko-KR" altLang="en-US" smtClean="0"/>
+              <a:rPr lang="ko-KR" altLang="en-US"/>
               <a:t>넷째 수준</a:t>
             </a:r>
           </a:p>
           <a:p>
             <a:pPr lvl="4"/>
             <a:r>
-              <a:rPr lang="ko-KR" altLang="en-US" smtClean="0"/>
+              <a:rPr lang="ko-KR" altLang="en-US"/>
               <a:t>다섯째 수준</a:t>
             </a:r>
             <a:endParaRPr lang="en-US" dirty="0"/>
@@ -572,7 +572,7 @@
           <a:lstStyle/>
           <a:p>
             <a:r>
-              <a:rPr lang="ko-KR" altLang="en-US" smtClean="0"/>
+              <a:rPr lang="ko-KR" altLang="en-US"/>
               <a:t>마스터 제목 스타일 편집</a:t>
             </a:r>
             <a:endParaRPr lang="en-US" dirty="0"/>
@@ -601,35 +601,35 @@
           <a:p>
             <a:pPr lvl="0"/>
             <a:r>
-              <a:rPr lang="ko-KR" altLang="en-US" smtClean="0"/>
+              <a:rPr lang="ko-KR" altLang="en-US"/>
               <a:t>마스터 텍스트 스타일 편집</a:t>
             </a:r>
           </a:p>
           <a:p>
             <a:pPr lvl="1"/>
             <a:r>
-              <a:rPr lang="ko-KR" altLang="en-US" smtClean="0"/>
+              <a:rPr lang="ko-KR" altLang="en-US"/>
               <a:t>둘째 수준</a:t>
             </a:r>
           </a:p>
           <a:p>
             <a:pPr lvl="2"/>
             <a:r>
-              <a:rPr lang="ko-KR" altLang="en-US" smtClean="0"/>
+              <a:rPr lang="ko-KR" altLang="en-US"/>
               <a:t>셋째 수준</a:t>
             </a:r>
           </a:p>
           <a:p>
             <a:pPr lvl="3"/>
             <a:r>
-              <a:rPr lang="ko-KR" altLang="en-US" smtClean="0"/>
+              <a:rPr lang="ko-KR" altLang="en-US"/>
               <a:t>넷째 수준</a:t>
             </a:r>
           </a:p>
           <a:p>
             <a:pPr lvl="4"/>
             <a:r>
-              <a:rPr lang="ko-KR" altLang="en-US" smtClean="0"/>
+              <a:rPr lang="ko-KR" altLang="en-US"/>
               <a:t>다섯째 수준</a:t>
             </a:r>
             <a:endParaRPr lang="en-US" dirty="0"/>
@@ -747,7 +747,7 @@
           <a:lstStyle/>
           <a:p>
             <a:r>
-              <a:rPr lang="ko-KR" altLang="en-US" smtClean="0"/>
+              <a:rPr lang="ko-KR" altLang="en-US"/>
               <a:t>마스터 제목 스타일 편집</a:t>
             </a:r>
             <a:endParaRPr lang="en-US" dirty="0"/>
@@ -771,35 +771,35 @@
           <a:p>
             <a:pPr lvl="0"/>
             <a:r>
-              <a:rPr lang="ko-KR" altLang="en-US" smtClean="0"/>
+              <a:rPr lang="ko-KR" altLang="en-US"/>
               <a:t>마스터 텍스트 스타일 편집</a:t>
             </a:r>
           </a:p>
           <a:p>
             <a:pPr lvl="1"/>
             <a:r>
-              <a:rPr lang="ko-KR" altLang="en-US" smtClean="0"/>
+              <a:rPr lang="ko-KR" altLang="en-US"/>
               <a:t>둘째 수준</a:t>
             </a:r>
           </a:p>
           <a:p>
             <a:pPr lvl="2"/>
             <a:r>
-              <a:rPr lang="ko-KR" altLang="en-US" smtClean="0"/>
+              <a:rPr lang="ko-KR" altLang="en-US"/>
               <a:t>셋째 수준</a:t>
             </a:r>
           </a:p>
           <a:p>
             <a:pPr lvl="3"/>
             <a:r>
-              <a:rPr lang="ko-KR" altLang="en-US" smtClean="0"/>
+              <a:rPr lang="ko-KR" altLang="en-US"/>
               <a:t>넷째 수준</a:t>
             </a:r>
           </a:p>
           <a:p>
             <a:pPr lvl="4"/>
             <a:r>
-              <a:rPr lang="ko-KR" altLang="en-US" smtClean="0"/>
+              <a:rPr lang="ko-KR" altLang="en-US"/>
               <a:t>다섯째 수준</a:t>
             </a:r>
             <a:endParaRPr lang="en-US" dirty="0"/>
@@ -926,7 +926,7 @@
           </a:lstStyle>
           <a:p>
             <a:r>
-              <a:rPr lang="ko-KR" altLang="en-US" smtClean="0"/>
+              <a:rPr lang="ko-KR" altLang="en-US"/>
               <a:t>마스터 제목 스타일 편집</a:t>
             </a:r>
             <a:endParaRPr lang="en-US" dirty="0"/>
@@ -1044,7 +1044,7 @@
           <a:p>
             <a:pPr lvl="0"/>
             <a:r>
-              <a:rPr lang="ko-KR" altLang="en-US" smtClean="0"/>
+              <a:rPr lang="ko-KR" altLang="en-US"/>
               <a:t>마스터 텍스트 스타일 편집</a:t>
             </a:r>
           </a:p>
@@ -1161,7 +1161,7 @@
           <a:lstStyle/>
           <a:p>
             <a:r>
-              <a:rPr lang="ko-KR" altLang="en-US" smtClean="0"/>
+              <a:rPr lang="ko-KR" altLang="en-US"/>
               <a:t>마스터 제목 스타일 편집</a:t>
             </a:r>
             <a:endParaRPr lang="en-US" dirty="0"/>
@@ -1190,35 +1190,35 @@
           <a:p>
             <a:pPr lvl="0"/>
             <a:r>
-              <a:rPr lang="ko-KR" altLang="en-US" smtClean="0"/>
+              <a:rPr lang="ko-KR" altLang="en-US"/>
               <a:t>마스터 텍스트 스타일 편집</a:t>
             </a:r>
           </a:p>
           <a:p>
             <a:pPr lvl="1"/>
             <a:r>
-              <a:rPr lang="ko-KR" altLang="en-US" smtClean="0"/>
+              <a:rPr lang="ko-KR" altLang="en-US"/>
               <a:t>둘째 수준</a:t>
             </a:r>
           </a:p>
           <a:p>
             <a:pPr lvl="2"/>
             <a:r>
-              <a:rPr lang="ko-KR" altLang="en-US" smtClean="0"/>
+              <a:rPr lang="ko-KR" altLang="en-US"/>
               <a:t>셋째 수준</a:t>
             </a:r>
           </a:p>
           <a:p>
             <a:pPr lvl="3"/>
             <a:r>
-              <a:rPr lang="ko-KR" altLang="en-US" smtClean="0"/>
+              <a:rPr lang="ko-KR" altLang="en-US"/>
               <a:t>넷째 수준</a:t>
             </a:r>
           </a:p>
           <a:p>
             <a:pPr lvl="4"/>
             <a:r>
-              <a:rPr lang="ko-KR" altLang="en-US" smtClean="0"/>
+              <a:rPr lang="ko-KR" altLang="en-US"/>
               <a:t>다섯째 수준</a:t>
             </a:r>
             <a:endParaRPr lang="en-US" dirty="0"/>
@@ -1247,35 +1247,35 @@
           <a:p>
             <a:pPr lvl="0"/>
             <a:r>
-              <a:rPr lang="ko-KR" altLang="en-US" smtClean="0"/>
+              <a:rPr lang="ko-KR" altLang="en-US"/>
               <a:t>마스터 텍스트 스타일 편집</a:t>
             </a:r>
           </a:p>
           <a:p>
             <a:pPr lvl="1"/>
             <a:r>
-              <a:rPr lang="ko-KR" altLang="en-US" smtClean="0"/>
+              <a:rPr lang="ko-KR" altLang="en-US"/>
               <a:t>둘째 수준</a:t>
             </a:r>
           </a:p>
           <a:p>
             <a:pPr lvl="2"/>
             <a:r>
-              <a:rPr lang="ko-KR" altLang="en-US" smtClean="0"/>
+              <a:rPr lang="ko-KR" altLang="en-US"/>
               <a:t>셋째 수준</a:t>
             </a:r>
           </a:p>
           <a:p>
             <a:pPr lvl="3"/>
             <a:r>
-              <a:rPr lang="ko-KR" altLang="en-US" smtClean="0"/>
+              <a:rPr lang="ko-KR" altLang="en-US"/>
               <a:t>넷째 수준</a:t>
             </a:r>
           </a:p>
           <a:p>
             <a:pPr lvl="4"/>
             <a:r>
-              <a:rPr lang="ko-KR" altLang="en-US" smtClean="0"/>
+              <a:rPr lang="ko-KR" altLang="en-US"/>
               <a:t>다섯째 수준</a:t>
             </a:r>
             <a:endParaRPr lang="en-US" dirty="0"/>
@@ -1398,7 +1398,7 @@
           <a:lstStyle/>
           <a:p>
             <a:r>
-              <a:rPr lang="ko-KR" altLang="en-US" smtClean="0"/>
+              <a:rPr lang="ko-KR" altLang="en-US"/>
               <a:t>마스터 제목 스타일 편집</a:t>
             </a:r>
             <a:endParaRPr lang="en-US" dirty="0"/>
@@ -1464,7 +1464,7 @@
           <a:p>
             <a:pPr lvl="0"/>
             <a:r>
-              <a:rPr lang="ko-KR" altLang="en-US" smtClean="0"/>
+              <a:rPr lang="ko-KR" altLang="en-US"/>
               <a:t>마스터 텍스트 스타일 편집</a:t>
             </a:r>
           </a:p>
@@ -1492,35 +1492,35 @@
           <a:p>
             <a:pPr lvl="0"/>
             <a:r>
-              <a:rPr lang="ko-KR" altLang="en-US" smtClean="0"/>
+              <a:rPr lang="ko-KR" altLang="en-US"/>
               <a:t>마스터 텍스트 스타일 편집</a:t>
             </a:r>
           </a:p>
           <a:p>
             <a:pPr lvl="1"/>
             <a:r>
-              <a:rPr lang="ko-KR" altLang="en-US" smtClean="0"/>
+              <a:rPr lang="ko-KR" altLang="en-US"/>
               <a:t>둘째 수준</a:t>
             </a:r>
           </a:p>
           <a:p>
             <a:pPr lvl="2"/>
             <a:r>
-              <a:rPr lang="ko-KR" altLang="en-US" smtClean="0"/>
+              <a:rPr lang="ko-KR" altLang="en-US"/>
               <a:t>셋째 수준</a:t>
             </a:r>
           </a:p>
           <a:p>
             <a:pPr lvl="3"/>
             <a:r>
-              <a:rPr lang="ko-KR" altLang="en-US" smtClean="0"/>
+              <a:rPr lang="ko-KR" altLang="en-US"/>
               <a:t>넷째 수준</a:t>
             </a:r>
           </a:p>
           <a:p>
             <a:pPr lvl="4"/>
             <a:r>
-              <a:rPr lang="ko-KR" altLang="en-US" smtClean="0"/>
+              <a:rPr lang="ko-KR" altLang="en-US"/>
               <a:t>다섯째 수준</a:t>
             </a:r>
             <a:endParaRPr lang="en-US" dirty="0"/>
@@ -1586,7 +1586,7 @@
           <a:p>
             <a:pPr lvl="0"/>
             <a:r>
-              <a:rPr lang="ko-KR" altLang="en-US" smtClean="0"/>
+              <a:rPr lang="ko-KR" altLang="en-US"/>
               <a:t>마스터 텍스트 스타일 편집</a:t>
             </a:r>
           </a:p>
@@ -1614,35 +1614,35 @@
           <a:p>
             <a:pPr lvl="0"/>
             <a:r>
-              <a:rPr lang="ko-KR" altLang="en-US" smtClean="0"/>
+              <a:rPr lang="ko-KR" altLang="en-US"/>
               <a:t>마스터 텍스트 스타일 편집</a:t>
             </a:r>
           </a:p>
           <a:p>
             <a:pPr lvl="1"/>
             <a:r>
-              <a:rPr lang="ko-KR" altLang="en-US" smtClean="0"/>
+              <a:rPr lang="ko-KR" altLang="en-US"/>
               <a:t>둘째 수준</a:t>
             </a:r>
           </a:p>
           <a:p>
             <a:pPr lvl="2"/>
             <a:r>
-              <a:rPr lang="ko-KR" altLang="en-US" smtClean="0"/>
+              <a:rPr lang="ko-KR" altLang="en-US"/>
               <a:t>셋째 수준</a:t>
             </a:r>
           </a:p>
           <a:p>
             <a:pPr lvl="3"/>
             <a:r>
-              <a:rPr lang="ko-KR" altLang="en-US" smtClean="0"/>
+              <a:rPr lang="ko-KR" altLang="en-US"/>
               <a:t>넷째 수준</a:t>
             </a:r>
           </a:p>
           <a:p>
             <a:pPr lvl="4"/>
             <a:r>
-              <a:rPr lang="ko-KR" altLang="en-US" smtClean="0"/>
+              <a:rPr lang="ko-KR" altLang="en-US"/>
               <a:t>다섯째 수준</a:t>
             </a:r>
             <a:endParaRPr lang="en-US" dirty="0"/>
@@ -1760,7 +1760,7 @@
           <a:lstStyle/>
           <a:p>
             <a:r>
-              <a:rPr lang="ko-KR" altLang="en-US" smtClean="0"/>
+              <a:rPr lang="ko-KR" altLang="en-US"/>
               <a:t>마스터 제목 스타일 편집</a:t>
             </a:r>
             <a:endParaRPr lang="en-US" dirty="0"/>
@@ -1982,7 +1982,7 @@
           </a:lstStyle>
           <a:p>
             <a:r>
-              <a:rPr lang="ko-KR" altLang="en-US" smtClean="0"/>
+              <a:rPr lang="ko-KR" altLang="en-US"/>
               <a:t>마스터 제목 스타일 편집</a:t>
             </a:r>
             <a:endParaRPr lang="en-US" dirty="0"/>
@@ -2039,35 +2039,35 @@
           <a:p>
             <a:pPr lvl="0"/>
             <a:r>
-              <a:rPr lang="ko-KR" altLang="en-US" smtClean="0"/>
+              <a:rPr lang="ko-KR" altLang="en-US"/>
               <a:t>마스터 텍스트 스타일 편집</a:t>
             </a:r>
           </a:p>
           <a:p>
             <a:pPr lvl="1"/>
             <a:r>
-              <a:rPr lang="ko-KR" altLang="en-US" smtClean="0"/>
+              <a:rPr lang="ko-KR" altLang="en-US"/>
               <a:t>둘째 수준</a:t>
             </a:r>
           </a:p>
           <a:p>
             <a:pPr lvl="2"/>
             <a:r>
-              <a:rPr lang="ko-KR" altLang="en-US" smtClean="0"/>
+              <a:rPr lang="ko-KR" altLang="en-US"/>
               <a:t>셋째 수준</a:t>
             </a:r>
           </a:p>
           <a:p>
             <a:pPr lvl="3"/>
             <a:r>
-              <a:rPr lang="ko-KR" altLang="en-US" smtClean="0"/>
+              <a:rPr lang="ko-KR" altLang="en-US"/>
               <a:t>넷째 수준</a:t>
             </a:r>
           </a:p>
           <a:p>
             <a:pPr lvl="4"/>
             <a:r>
-              <a:rPr lang="ko-KR" altLang="en-US" smtClean="0"/>
+              <a:rPr lang="ko-KR" altLang="en-US"/>
               <a:t>다섯째 수준</a:t>
             </a:r>
             <a:endParaRPr lang="en-US" dirty="0"/>
@@ -2133,7 +2133,7 @@
           <a:p>
             <a:pPr lvl="0"/>
             <a:r>
-              <a:rPr lang="ko-KR" altLang="en-US" smtClean="0"/>
+              <a:rPr lang="ko-KR" altLang="en-US"/>
               <a:t>마스터 텍스트 스타일 편집</a:t>
             </a:r>
           </a:p>
@@ -2259,7 +2259,7 @@
           </a:lstStyle>
           <a:p>
             <a:r>
-              <a:rPr lang="ko-KR" altLang="en-US" smtClean="0"/>
+              <a:rPr lang="ko-KR" altLang="en-US"/>
               <a:t>마스터 제목 스타일 편집</a:t>
             </a:r>
             <a:endParaRPr lang="en-US" dirty="0"/>
@@ -2324,7 +2324,7 @@
           </a:lstStyle>
           <a:p>
             <a:r>
-              <a:rPr lang="ko-KR" altLang="en-US" smtClean="0"/>
+              <a:rPr lang="ko-KR" altLang="en-US"/>
               <a:t>그림을 추가하려면 아이콘을 클릭하십시오</a:t>
             </a:r>
             <a:endParaRPr lang="en-US" dirty="0"/>
@@ -2390,7 +2390,7 @@
           <a:p>
             <a:pPr lvl="0"/>
             <a:r>
-              <a:rPr lang="ko-KR" altLang="en-US" smtClean="0"/>
+              <a:rPr lang="ko-KR" altLang="en-US"/>
               <a:t>마스터 텍스트 스타일 편집</a:t>
             </a:r>
           </a:p>
@@ -2522,7 +2522,7 @@
           <a:lstStyle/>
           <a:p>
             <a:r>
-              <a:rPr lang="ko-KR" altLang="en-US" smtClean="0"/>
+              <a:rPr lang="ko-KR" altLang="en-US"/>
               <a:t>마스터 제목 스타일 편집</a:t>
             </a:r>
             <a:endParaRPr lang="en-US" dirty="0"/>
@@ -2556,35 +2556,35 @@
           <a:p>
             <a:pPr lvl="0"/>
             <a:r>
-              <a:rPr lang="ko-KR" altLang="en-US" smtClean="0"/>
+              <a:rPr lang="ko-KR" altLang="en-US"/>
               <a:t>마스터 텍스트 스타일 편집</a:t>
             </a:r>
           </a:p>
           <a:p>
             <a:pPr lvl="1"/>
             <a:r>
-              <a:rPr lang="ko-KR" altLang="en-US" smtClean="0"/>
+              <a:rPr lang="ko-KR" altLang="en-US"/>
               <a:t>둘째 수준</a:t>
             </a:r>
           </a:p>
           <a:p>
             <a:pPr lvl="2"/>
             <a:r>
-              <a:rPr lang="ko-KR" altLang="en-US" smtClean="0"/>
+              <a:rPr lang="ko-KR" altLang="en-US"/>
               <a:t>셋째 수준</a:t>
             </a:r>
           </a:p>
           <a:p>
             <a:pPr lvl="3"/>
             <a:r>
-              <a:rPr lang="ko-KR" altLang="en-US" smtClean="0"/>
+              <a:rPr lang="ko-KR" altLang="en-US"/>
               <a:t>넷째 수준</a:t>
             </a:r>
           </a:p>
           <a:p>
             <a:pPr lvl="4"/>
             <a:r>
-              <a:rPr lang="ko-KR" altLang="en-US" smtClean="0"/>
+              <a:rPr lang="ko-KR" altLang="en-US"/>
               <a:t>다섯째 수준</a:t>
             </a:r>
             <a:endParaRPr lang="en-US" dirty="0"/>
@@ -3020,7 +3020,7 @@
     <p:bg>
       <p:bgPr>
         <a:solidFill>
-          <a:srgbClr val="E6E6E6"/>
+          <a:srgbClr val="581E22"/>
         </a:solidFill>
         <a:effectLst/>
       </p:bgPr>
@@ -3049,6 +3049,7 @@
         </p:nvPicPr>
         <p:blipFill rotWithShape="1">
           <a:blip r:embed="rId2" cstate="print">
+            <a:lum bright="70000" contrast="-70000"/>
             <a:extLst>
               <a:ext uri="{28A0092B-C50C-407E-A947-70E740481C1C}">
                 <a14:useLocalDpi xmlns:a14="http://schemas.microsoft.com/office/drawing/2010/main" val="0"/>
@@ -3103,7 +3104,7 @@
             <a:r>
               <a:rPr lang="en-US" altLang="ko-KR" sz="1600" b="1" cap="all" dirty="0">
                 <a:solidFill>
-                  <a:srgbClr val="423C32"/>
+                  <a:schemeClr val="bg1"/>
                 </a:solidFill>
                 <a:latin typeface="Microsoft YaHei UI Light" panose="020B0502040204020203" pitchFamily="34" charset="-122"/>
                 <a:ea typeface="Microsoft YaHei UI Light" panose="020B0502040204020203" pitchFamily="34" charset="-122"/>
@@ -3116,7 +3117,7 @@
             <a:r>
               <a:rPr lang="en-US" altLang="ko-KR" sz="1600" b="1" cap="all" dirty="0">
                 <a:solidFill>
-                  <a:srgbClr val="423C32"/>
+                  <a:schemeClr val="bg1"/>
                 </a:solidFill>
                 <a:latin typeface="Microsoft YaHei UI Light" panose="020B0502040204020203" pitchFamily="34" charset="-122"/>
                 <a:ea typeface="Microsoft YaHei UI Light" panose="020B0502040204020203" pitchFamily="34" charset="-122"/>
@@ -3129,7 +3130,7 @@
             <a:r>
               <a:rPr lang="en-US" altLang="ko-KR" sz="1600" b="1" cap="all" dirty="0">
                 <a:solidFill>
-                  <a:srgbClr val="423C32"/>
+                  <a:schemeClr val="bg1"/>
                 </a:solidFill>
                 <a:latin typeface="Microsoft YaHei UI Light" panose="020B0502040204020203" pitchFamily="34" charset="-122"/>
                 <a:ea typeface="Microsoft YaHei UI Light" panose="020B0502040204020203" pitchFamily="34" charset="-122"/>
@@ -3141,7 +3142,7 @@
             <a:pPr algn="ctr"/>
             <a:endParaRPr lang="en-US" altLang="ko-KR" sz="1600" b="1" cap="all" dirty="0">
               <a:solidFill>
-                <a:srgbClr val="423C32"/>
+                <a:schemeClr val="bg1"/>
               </a:solidFill>
               <a:latin typeface="Microsoft YaHei UI Light" panose="020B0502040204020203" pitchFamily="34" charset="-122"/>
               <a:ea typeface="Microsoft YaHei UI Light" panose="020B0502040204020203" pitchFamily="34" charset="-122"/>
@@ -3152,7 +3153,7 @@
             <a:r>
               <a:rPr lang="en-US" altLang="ko-KR" sz="1600" dirty="0">
                 <a:solidFill>
-                  <a:srgbClr val="423C32"/>
+                  <a:schemeClr val="bg1"/>
                 </a:solidFill>
                 <a:latin typeface="Microsoft YaHei UI Light" panose="020B0502040204020203" pitchFamily="34" charset="-122"/>
                 <a:ea typeface="Microsoft YaHei UI Light" panose="020B0502040204020203" pitchFamily="34" charset="-122"/>
@@ -3162,7 +3163,7 @@
             <a:r>
               <a:rPr lang="en-US" altLang="ko-KR" sz="1600" dirty="0" err="1">
                 <a:solidFill>
-                  <a:srgbClr val="423C32"/>
+                  <a:schemeClr val="bg1"/>
                 </a:solidFill>
                 <a:latin typeface="Microsoft YaHei UI Light" panose="020B0502040204020203" pitchFamily="34" charset="-122"/>
                 <a:ea typeface="Microsoft YaHei UI Light" panose="020B0502040204020203" pitchFamily="34" charset="-122"/>
@@ -3172,7 +3173,7 @@
             <a:r>
               <a:rPr lang="en-US" altLang="ko-KR" sz="1600" dirty="0">
                 <a:solidFill>
-                  <a:srgbClr val="423C32"/>
+                  <a:schemeClr val="bg1"/>
                 </a:solidFill>
                 <a:latin typeface="Microsoft YaHei UI Light" panose="020B0502040204020203" pitchFamily="34" charset="-122"/>
                 <a:ea typeface="Microsoft YaHei UI Light" panose="020B0502040204020203" pitchFamily="34" charset="-122"/>
@@ -3184,7 +3185,7 @@
             <a:pPr algn="ctr"/>
             <a:endParaRPr lang="en-US" altLang="ko-KR" sz="1600" dirty="0">
               <a:solidFill>
-                <a:srgbClr val="423C32"/>
+                <a:schemeClr val="bg1"/>
               </a:solidFill>
               <a:latin typeface="Microsoft YaHei UI Light" panose="020B0502040204020203" pitchFamily="34" charset="-122"/>
               <a:ea typeface="Microsoft YaHei UI Light" panose="020B0502040204020203" pitchFamily="34" charset="-122"/>
@@ -3195,7 +3196,7 @@
             <a:r>
               <a:rPr lang="ko-KR" altLang="en-US" sz="1600" u="sng" dirty="0">
                 <a:solidFill>
-                  <a:srgbClr val="423C32"/>
+                  <a:schemeClr val="bg1"/>
                 </a:solidFill>
                 <a:latin typeface="Microsoft YaHei UI Light" panose="020B0502040204020203" pitchFamily="34" charset="-122"/>
                 <a:ea typeface="Microsoft YaHei UI Light" panose="020B0502040204020203" pitchFamily="34" charset="-122"/>
@@ -3204,7 +3205,7 @@
             </a:r>
             <a:endParaRPr lang="en-US" altLang="ko-KR" sz="1600" u="sng" dirty="0">
               <a:solidFill>
-                <a:srgbClr val="423C32"/>
+                <a:schemeClr val="bg1"/>
               </a:solidFill>
               <a:latin typeface="Microsoft YaHei UI Light" panose="020B0502040204020203" pitchFamily="34" charset="-122"/>
               <a:ea typeface="Microsoft YaHei UI Light" panose="020B0502040204020203" pitchFamily="34" charset="-122"/>
@@ -3222,6 +3223,7 @@
         </p:nvPicPr>
         <p:blipFill>
           <a:blip r:embed="rId3" cstate="print">
+            <a:lum bright="70000" contrast="-70000"/>
             <a:extLst>
               <a:ext uri="{BEBA8EAE-BF5A-486C-A8C5-ECC9F3942E4B}">
                 <a14:imgProps xmlns:a14="http://schemas.microsoft.com/office/drawing/2010/main">
@@ -3267,12 +3269,13 @@
         </p:nvSpPr>
         <p:spPr>
           <a:xfrm>
-            <a:off x="-76153" y="1089043"/>
-            <a:ext cx="12106227" cy="276999"/>
+            <a:off x="0" y="1091196"/>
+            <a:ext cx="12192000" cy="276999"/>
           </a:xfrm>
           <a:prstGeom prst="rect">
             <a:avLst/>
           </a:prstGeom>
+          <a:noFill/>
         </p:spPr>
         <p:txBody>
           <a:bodyPr wrap="square">
@@ -3282,38 +3285,18 @@
           <a:p>
             <a:pPr algn="ctr"/>
             <a:r>
-              <a:rPr lang="en-US" altLang="ko-KR" sz="1200" cap="all" dirty="0" smtClean="0">
-                <a:solidFill>
-                  <a:srgbClr val="423C32"/>
-                </a:solidFill>
-                <a:latin typeface="Microsoft YaHei UI Light" panose="020B0502040204020203" pitchFamily="34" charset="-122"/>
-                <a:ea typeface="Microsoft YaHei UI Light" panose="020B0502040204020203" pitchFamily="34" charset="-122"/>
-              </a:rPr>
-              <a:t>HISTORY</a:t>
-            </a:r>
-            <a:r>
               <a:rPr lang="en-US" altLang="ko-KR" sz="1200" cap="all" dirty="0">
                 <a:solidFill>
-                  <a:srgbClr val="423C32"/>
+                  <a:schemeClr val="bg1"/>
                 </a:solidFill>
                 <a:latin typeface="Microsoft YaHei UI Light" panose="020B0502040204020203" pitchFamily="34" charset="-122"/>
                 <a:ea typeface="Microsoft YaHei UI Light" panose="020B0502040204020203" pitchFamily="34" charset="-122"/>
               </a:rPr>
-              <a:t> </a:t>
-            </a:r>
-            <a:r>
-              <a:rPr lang="en-US" altLang="ko-KR" sz="1200" cap="all" dirty="0" smtClean="0">
-                <a:solidFill>
-                  <a:srgbClr val="423C32"/>
-                </a:solidFill>
-                <a:latin typeface="Microsoft YaHei UI Light" panose="020B0502040204020203" pitchFamily="34" charset="-122"/>
-                <a:ea typeface="Microsoft YaHei UI Light" panose="020B0502040204020203" pitchFamily="34" charset="-122"/>
-              </a:rPr>
-              <a:t>   	products        LOCATION        board        ABOUT</a:t>
+              <a:t>HISTORY    	products        LOCATION        board        ABOUT</a:t>
             </a:r>
             <a:endParaRPr lang="en-US" altLang="ko-KR" sz="1200" u="sng" dirty="0">
               <a:solidFill>
-                <a:srgbClr val="423C32"/>
+                <a:schemeClr val="bg1"/>
               </a:solidFill>
               <a:latin typeface="Microsoft YaHei UI Light" panose="020B0502040204020203" pitchFamily="34" charset="-122"/>
               <a:ea typeface="Microsoft YaHei UI Light" panose="020B0502040204020203" pitchFamily="34" charset="-122"/>
@@ -3335,7 +3318,11 @@
           <a:prstGeom prst="line">
             <a:avLst/>
           </a:prstGeom>
-          <a:ln/>
+          <a:ln>
+            <a:solidFill>
+              <a:schemeClr val="bg1"/>
+            </a:solidFill>
+          </a:ln>
         </p:spPr>
         <p:style>
           <a:lnRef idx="1">
@@ -3395,7 +3382,11 @@
           <a:prstGeom prst="line">
             <a:avLst/>
           </a:prstGeom>
-          <a:ln/>
+          <a:ln>
+            <a:solidFill>
+              <a:schemeClr val="bg1"/>
+            </a:solidFill>
+          </a:ln>
         </p:spPr>
         <p:style>
           <a:lnRef idx="1">
@@ -3508,7 +3499,7 @@
         </p:nvSpPr>
         <p:spPr>
           <a:xfrm>
-            <a:off x="315294" y="8298653"/>
+            <a:off x="334344" y="7836559"/>
             <a:ext cx="2299063" cy="521840"/>
           </a:xfrm>
           <a:prstGeom prst="rect">
@@ -3543,18 +3534,13 @@
           <a:p>
             <a:pPr algn="ctr"/>
             <a:r>
-              <a:rPr lang="ko-KR" altLang="en-US" dirty="0" smtClean="0">
+              <a:rPr lang="ko-KR" altLang="en-US" dirty="0">
                 <a:solidFill>
                   <a:srgbClr val="423C32"/>
                 </a:solidFill>
               </a:rPr>
               <a:t>제품 보기</a:t>
             </a:r>
-            <a:endParaRPr lang="ko-KR" altLang="en-US" dirty="0">
-              <a:solidFill>
-                <a:srgbClr val="423C32"/>
-              </a:solidFill>
-            </a:endParaRPr>
           </a:p>
         </p:txBody>
       </p:sp>
@@ -3566,7 +3552,7 @@
         </p:nvSpPr>
         <p:spPr>
           <a:xfrm>
-            <a:off x="2923922" y="8298652"/>
+            <a:off x="2942972" y="7836558"/>
             <a:ext cx="2299063" cy="521841"/>
           </a:xfrm>
           <a:prstGeom prst="rect">
@@ -3601,18 +3587,13 @@
           <a:p>
             <a:pPr algn="ctr"/>
             <a:r>
-              <a:rPr lang="ko-KR" altLang="en-US" dirty="0" smtClean="0">
+              <a:rPr lang="ko-KR" altLang="en-US" dirty="0">
                 <a:solidFill>
                   <a:schemeClr val="bg1"/>
                 </a:solidFill>
               </a:rPr>
               <a:t>매장 찾기</a:t>
             </a:r>
-            <a:endParaRPr lang="ko-KR" altLang="en-US" dirty="0">
-              <a:solidFill>
-                <a:schemeClr val="bg1"/>
-              </a:solidFill>
-            </a:endParaRPr>
           </a:p>
         </p:txBody>
       </p:sp>
@@ -3624,8 +3605,8 @@
         </p:nvSpPr>
         <p:spPr>
           <a:xfrm>
-            <a:off x="-279353" y="549805"/>
-            <a:ext cx="12268153" cy="276999"/>
+            <a:off x="41088" y="549805"/>
+            <a:ext cx="11947712" cy="276999"/>
           </a:xfrm>
           <a:prstGeom prst="rect">
             <a:avLst/>
@@ -3639,9 +3620,9 @@
           <a:p>
             <a:pPr algn="r"/>
             <a:r>
-              <a:rPr lang="ko-KR" altLang="en-US" sz="1200" cap="all" dirty="0" smtClean="0">
+              <a:rPr lang="ko-KR" altLang="en-US" sz="1200" cap="all" dirty="0">
                 <a:solidFill>
-                  <a:srgbClr val="423C32"/>
+                  <a:schemeClr val="bg1"/>
                 </a:solidFill>
                 <a:latin typeface="Microsoft YaHei UI Light" panose="020B0502040204020203" pitchFamily="34" charset="-122"/>
                 <a:ea typeface="Microsoft YaHei UI Light" panose="020B0502040204020203" pitchFamily="34" charset="-122"/>
@@ -3649,9 +3630,9 @@
               <a:t>검색</a:t>
             </a:r>
             <a:r>
-              <a:rPr lang="en-US" altLang="ko-KR" sz="1200" cap="all" dirty="0" smtClean="0">
+              <a:rPr lang="en-US" altLang="ko-KR" sz="1200" cap="all" dirty="0">
                 <a:solidFill>
-                  <a:srgbClr val="423C32"/>
+                  <a:schemeClr val="bg1"/>
                 </a:solidFill>
                 <a:latin typeface="Microsoft YaHei UI Light" panose="020B0502040204020203" pitchFamily="34" charset="-122"/>
                 <a:ea typeface="Microsoft YaHei UI Light" panose="020B0502040204020203" pitchFamily="34" charset="-122"/>
@@ -3659,9 +3640,9 @@
               <a:t>	</a:t>
             </a:r>
             <a:r>
-              <a:rPr lang="ko-KR" altLang="en-US" sz="1200" cap="all" dirty="0" smtClean="0">
+              <a:rPr lang="ko-KR" altLang="en-US" sz="1200" cap="all" dirty="0">
                 <a:solidFill>
-                  <a:srgbClr val="423C32"/>
+                  <a:schemeClr val="bg1"/>
                 </a:solidFill>
                 <a:latin typeface="Microsoft YaHei UI Light" panose="020B0502040204020203" pitchFamily="34" charset="-122"/>
                 <a:ea typeface="Microsoft YaHei UI Light" panose="020B0502040204020203" pitchFamily="34" charset="-122"/>
@@ -3669,9 +3650,9 @@
               <a:t>로그인</a:t>
             </a:r>
             <a:r>
-              <a:rPr lang="en-US" altLang="ko-KR" sz="1200" cap="all" dirty="0" smtClean="0">
+              <a:rPr lang="en-US" altLang="ko-KR" sz="1200" cap="all" dirty="0">
                 <a:solidFill>
-                  <a:srgbClr val="423C32"/>
+                  <a:schemeClr val="bg1"/>
                 </a:solidFill>
                 <a:latin typeface="Microsoft YaHei UI Light" panose="020B0502040204020203" pitchFamily="34" charset="-122"/>
                 <a:ea typeface="Microsoft YaHei UI Light" panose="020B0502040204020203" pitchFamily="34" charset="-122"/>
@@ -3679,9 +3660,9 @@
               <a:t>	</a:t>
             </a:r>
             <a:r>
-              <a:rPr lang="ko-KR" altLang="en-US" sz="1200" cap="all" dirty="0" smtClean="0">
+              <a:rPr lang="ko-KR" altLang="en-US" sz="1200" cap="all" dirty="0">
                 <a:solidFill>
-                  <a:srgbClr val="423C32"/>
+                  <a:schemeClr val="bg1"/>
                 </a:solidFill>
                 <a:latin typeface="Microsoft YaHei UI Light" panose="020B0502040204020203" pitchFamily="34" charset="-122"/>
                 <a:ea typeface="Microsoft YaHei UI Light" panose="020B0502040204020203" pitchFamily="34" charset="-122"/>
@@ -3690,7 +3671,7 @@
             </a:r>
             <a:endParaRPr lang="en-US" altLang="ko-KR" sz="1200" u="sng" dirty="0">
               <a:solidFill>
-                <a:srgbClr val="423C32"/>
+                <a:schemeClr val="bg1"/>
               </a:solidFill>
               <a:latin typeface="Microsoft YaHei UI Light" panose="020B0502040204020203" pitchFamily="34" charset="-122"/>
               <a:ea typeface="Microsoft YaHei UI Light" panose="020B0502040204020203" pitchFamily="34" charset="-122"/>
@@ -3745,42 +3726,28 @@
                 <a:latin typeface="Microsoft YaHei UI Light" panose="020B0502040204020203" pitchFamily="34" charset="-122"/>
                 <a:ea typeface="Microsoft YaHei UI Light" panose="020B0502040204020203" pitchFamily="34" charset="-122"/>
               </a:rPr>
-              <a:t>ⓒ</a:t>
-            </a:r>
-            <a:r>
-              <a:rPr lang="en-US" altLang="ko-KR" sz="1100" dirty="0" smtClean="0">
+              <a:t>ⓒ2022 Giuseppe </a:t>
+            </a:r>
+            <a:r>
+              <a:rPr lang="en-US" altLang="ko-KR" sz="1100" dirty="0" err="1">
                 <a:latin typeface="Microsoft YaHei UI Light" panose="020B0502040204020203" pitchFamily="34" charset="-122"/>
                 <a:ea typeface="Microsoft YaHei UI Light" panose="020B0502040204020203" pitchFamily="34" charset="-122"/>
               </a:rPr>
-              <a:t>2022 Giuseppe </a:t>
-            </a:r>
-            <a:r>
-              <a:rPr lang="en-US" altLang="ko-KR" sz="1100" dirty="0" err="1" smtClean="0">
+              <a:t>Giusti</a:t>
+            </a:r>
+            <a:r>
+              <a:rPr lang="en-US" altLang="ko-KR" sz="1100" dirty="0">
                 <a:latin typeface="Microsoft YaHei UI Light" panose="020B0502040204020203" pitchFamily="34" charset="-122"/>
                 <a:ea typeface="Microsoft YaHei UI Light" panose="020B0502040204020203" pitchFamily="34" charset="-122"/>
               </a:rPr>
-              <a:t>Giusti</a:t>
-            </a:r>
-            <a:r>
-              <a:rPr lang="en-US" altLang="ko-KR" sz="1100" dirty="0" smtClean="0">
+              <a:t> </a:t>
+            </a:r>
+            <a:r>
+              <a:rPr lang="en-US" altLang="ko-KR" sz="1100" dirty="0" err="1">
                 <a:latin typeface="Microsoft YaHei UI Light" panose="020B0502040204020203" pitchFamily="34" charset="-122"/>
                 <a:ea typeface="Microsoft YaHei UI Light" panose="020B0502040204020203" pitchFamily="34" charset="-122"/>
               </a:rPr>
-              <a:t> </a:t>
-            </a:r>
-            <a:r>
-              <a:rPr lang="en-US" altLang="ko-KR" sz="1100" dirty="0" err="1" smtClean="0">
-                <a:latin typeface="Microsoft YaHei UI Light" panose="020B0502040204020203" pitchFamily="34" charset="-122"/>
-                <a:ea typeface="Microsoft YaHei UI Light" panose="020B0502040204020203" pitchFamily="34" charset="-122"/>
-              </a:rPr>
-              <a:t>Korea.Co</a:t>
-            </a:r>
-            <a:r>
-              <a:rPr lang="en-US" altLang="ko-KR" sz="1100" dirty="0" err="1">
-                <a:latin typeface="Microsoft YaHei UI Light" panose="020B0502040204020203" pitchFamily="34" charset="-122"/>
-                <a:ea typeface="Microsoft YaHei UI Light" panose="020B0502040204020203" pitchFamily="34" charset="-122"/>
-              </a:rPr>
-              <a:t>.,Ltd</a:t>
+              <a:t>Korea.Co.,Ltd</a:t>
             </a:r>
             <a:r>
               <a:rPr lang="en-US" altLang="ko-KR" sz="1100" dirty="0">
@@ -3857,7 +3824,7 @@
           <a:p>
             <a:pPr algn="ctr"/>
             <a:r>
-              <a:rPr lang="ko-KR" altLang="en-US" sz="1200" b="0" i="0" dirty="0" smtClean="0">
+              <a:rPr lang="ko-KR" altLang="en-US" sz="1200" b="0" i="0" dirty="0">
                 <a:effectLst/>
                 <a:latin typeface="Microsoft YaHei UI Light" panose="020B0502040204020203" pitchFamily="34" charset="-122"/>
                 <a:ea typeface="Malgun Gothic" panose="020B0503020000020004" pitchFamily="50" charset="-127"/>
@@ -3865,7 +3832,7 @@
               <a:t>서울시 </a:t>
             </a:r>
             <a:r>
-              <a:rPr lang="en-US" altLang="ko-KR" sz="1200" b="0" i="0" dirty="0" smtClean="0">
+              <a:rPr lang="en-US" altLang="ko-KR" sz="1200" b="0" i="0" dirty="0">
                 <a:effectLst/>
                 <a:latin typeface="Microsoft YaHei UI Light" panose="020B0502040204020203" pitchFamily="34" charset="-122"/>
                 <a:ea typeface="Microsoft YaHei UI Light" panose="020B0502040204020203" pitchFamily="34" charset="-122"/>
@@ -3873,7 +3840,7 @@
               <a:t>XX</a:t>
             </a:r>
             <a:r>
-              <a:rPr lang="ko-KR" altLang="en-US" sz="1200" b="0" i="0" dirty="0" smtClean="0">
+              <a:rPr lang="ko-KR" altLang="en-US" sz="1200" b="0" i="0" dirty="0">
                 <a:effectLst/>
                 <a:latin typeface="Microsoft YaHei UI Light" panose="020B0502040204020203" pitchFamily="34" charset="-122"/>
                 <a:ea typeface="Malgun Gothic" panose="020B0503020000020004" pitchFamily="50" charset="-127"/>
@@ -3881,7 +3848,7 @@
               <a:t>구 </a:t>
             </a:r>
             <a:r>
-              <a:rPr lang="en-US" altLang="ko-KR" sz="1200" b="0" i="0" dirty="0" smtClean="0">
+              <a:rPr lang="en-US" altLang="ko-KR" sz="1200" b="0" i="0" dirty="0">
                 <a:effectLst/>
                 <a:latin typeface="Microsoft YaHei UI Light" panose="020B0502040204020203" pitchFamily="34" charset="-122"/>
                 <a:ea typeface="Microsoft YaHei UI Light" panose="020B0502040204020203" pitchFamily="34" charset="-122"/>
@@ -3889,7 +3856,7 @@
               <a:t>XX</a:t>
             </a:r>
             <a:r>
-              <a:rPr lang="ko-KR" altLang="en-US" sz="1200" b="0" i="0" dirty="0" smtClean="0">
+              <a:rPr lang="ko-KR" altLang="en-US" sz="1200" b="0" i="0" dirty="0">
                 <a:effectLst/>
                 <a:latin typeface="Microsoft YaHei UI Light" panose="020B0502040204020203" pitchFamily="34" charset="-122"/>
                 <a:ea typeface="Malgun Gothic" panose="020B0503020000020004" pitchFamily="50" charset="-127"/>
@@ -3897,7 +3864,7 @@
               <a:t>로 </a:t>
             </a:r>
             <a:r>
-              <a:rPr lang="en-US" altLang="ko-KR" sz="1200" b="0" i="0" dirty="0" smtClean="0">
+              <a:rPr lang="en-US" altLang="ko-KR" sz="1200" b="0" i="0" dirty="0">
                 <a:effectLst/>
                 <a:latin typeface="Microsoft YaHei UI Light" panose="020B0502040204020203" pitchFamily="34" charset="-122"/>
                 <a:ea typeface="Microsoft YaHei UI Light" panose="020B0502040204020203" pitchFamily="34" charset="-122"/>
@@ -3905,7 +3872,7 @@
               <a:t>000 XXX</a:t>
             </a:r>
             <a:r>
-              <a:rPr lang="ko-KR" altLang="en-US" sz="1200" b="0" i="0" dirty="0" smtClean="0">
+              <a:rPr lang="ko-KR" altLang="en-US" sz="1200" b="0" i="0" dirty="0">
                 <a:effectLst/>
                 <a:latin typeface="Microsoft YaHei UI Light" panose="020B0502040204020203" pitchFamily="34" charset="-122"/>
                 <a:ea typeface="Malgun Gothic" panose="020B0503020000020004" pitchFamily="50" charset="-127"/>
@@ -3913,7 +3880,7 @@
               <a:t>빌딩 </a:t>
             </a:r>
             <a:r>
-              <a:rPr lang="en-US" altLang="ko-KR" sz="1200" b="0" i="0" dirty="0" smtClean="0">
+              <a:rPr lang="en-US" altLang="ko-KR" sz="1200" b="0" i="0" dirty="0">
                 <a:effectLst/>
                 <a:latin typeface="Microsoft YaHei UI Light" panose="020B0502040204020203" pitchFamily="34" charset="-122"/>
                 <a:ea typeface="Microsoft YaHei UI Light" panose="020B0502040204020203" pitchFamily="34" charset="-122"/>
@@ -3924,7 +3891,7 @@
           <a:p>
             <a:pPr algn="ctr"/>
             <a:r>
-              <a:rPr lang="ko-KR" altLang="en-US" sz="1200" b="0" i="0" dirty="0" smtClean="0">
+              <a:rPr lang="ko-KR" altLang="en-US" sz="1200" b="0" i="0" dirty="0">
                 <a:effectLst/>
                 <a:latin typeface="Microsoft YaHei UI Light" panose="020B0502040204020203" pitchFamily="34" charset="-122"/>
                 <a:ea typeface="Malgun Gothic" panose="020B0503020000020004" pitchFamily="50" charset="-127"/>
@@ -3932,7 +3899,7 @@
               <a:t>사업자등록번호 </a:t>
             </a:r>
             <a:r>
-              <a:rPr lang="en-US" altLang="ko-KR" sz="1200" b="0" i="0" dirty="0" smtClean="0">
+              <a:rPr lang="en-US" altLang="ko-KR" sz="1200" b="0" i="0" dirty="0">
                 <a:effectLst/>
                 <a:latin typeface="Microsoft YaHei UI Light" panose="020B0502040204020203" pitchFamily="34" charset="-122"/>
                 <a:ea typeface="Microsoft YaHei UI Light" panose="020B0502040204020203" pitchFamily="34" charset="-122"/>
@@ -3940,7 +3907,7 @@
               <a:t>: 000-12-00000 | </a:t>
             </a:r>
             <a:r>
-              <a:rPr lang="ko-KR" altLang="en-US" sz="1200" b="0" i="0" dirty="0" smtClean="0">
+              <a:rPr lang="ko-KR" altLang="en-US" sz="1200" b="0" i="0" dirty="0">
                 <a:effectLst/>
                 <a:latin typeface="Microsoft YaHei UI Light" panose="020B0502040204020203" pitchFamily="34" charset="-122"/>
                 <a:ea typeface="Malgun Gothic" panose="020B0503020000020004" pitchFamily="50" charset="-127"/>
@@ -3948,7 +3915,7 @@
               <a:t>통신판매업신로 </a:t>
             </a:r>
             <a:r>
-              <a:rPr lang="en-US" altLang="ko-KR" sz="1200" b="0" i="0" dirty="0" smtClean="0">
+              <a:rPr lang="en-US" altLang="ko-KR" sz="1200" b="0" i="0" dirty="0">
                 <a:effectLst/>
                 <a:latin typeface="Microsoft YaHei UI Light" panose="020B0502040204020203" pitchFamily="34" charset="-122"/>
                 <a:ea typeface="Microsoft YaHei UI Light" panose="020B0502040204020203" pitchFamily="34" charset="-122"/>
@@ -3956,7 +3923,7 @@
               <a:t>: </a:t>
             </a:r>
             <a:r>
-              <a:rPr lang="ko-KR" altLang="en-US" sz="1200" b="0" i="0" dirty="0" smtClean="0">
+              <a:rPr lang="ko-KR" altLang="en-US" sz="1200" b="0" i="0" dirty="0">
                 <a:effectLst/>
                 <a:latin typeface="Microsoft YaHei UI Light" panose="020B0502040204020203" pitchFamily="34" charset="-122"/>
                 <a:ea typeface="Malgun Gothic" panose="020B0503020000020004" pitchFamily="50" charset="-127"/>
@@ -3964,7 +3931,7 @@
               <a:t>종로 제</a:t>
             </a:r>
             <a:r>
-              <a:rPr lang="en-US" altLang="ko-KR" sz="1200" b="0" i="0" dirty="0" smtClean="0">
+              <a:rPr lang="en-US" altLang="ko-KR" sz="1200" b="0" i="0" dirty="0">
                 <a:effectLst/>
                 <a:latin typeface="Microsoft YaHei UI Light" panose="020B0502040204020203" pitchFamily="34" charset="-122"/>
                 <a:ea typeface="Microsoft YaHei UI Light" panose="020B0502040204020203" pitchFamily="34" charset="-122"/>
@@ -3972,7 +3939,7 @@
               <a:t>0000</a:t>
             </a:r>
             <a:r>
-              <a:rPr lang="ko-KR" altLang="en-US" sz="1200" b="0" i="0" dirty="0" smtClean="0">
+              <a:rPr lang="ko-KR" altLang="en-US" sz="1200" b="0" i="0" dirty="0">
                 <a:effectLst/>
                 <a:latin typeface="Microsoft YaHei UI Light" panose="020B0502040204020203" pitchFamily="34" charset="-122"/>
                 <a:ea typeface="Malgun Gothic" panose="020B0503020000020004" pitchFamily="50" charset="-127"/>
@@ -3980,7 +3947,7 @@
               <a:t>호 </a:t>
             </a:r>
             <a:r>
-              <a:rPr lang="en-US" altLang="ko-KR" sz="1200" b="0" i="0" dirty="0" smtClean="0">
+              <a:rPr lang="en-US" altLang="ko-KR" sz="1200" b="0" i="0" dirty="0">
                 <a:effectLst/>
                 <a:latin typeface="Microsoft YaHei UI Light" panose="020B0502040204020203" pitchFamily="34" charset="-122"/>
                 <a:ea typeface="Microsoft YaHei UI Light" panose="020B0502040204020203" pitchFamily="34" charset="-122"/>
@@ -3988,7 +3955,7 @@
               <a:t>| </a:t>
             </a:r>
             <a:r>
-              <a:rPr lang="ko-KR" altLang="en-US" sz="1200" b="0" i="0" dirty="0" smtClean="0">
+              <a:rPr lang="ko-KR" altLang="en-US" sz="1200" b="0" i="0" dirty="0">
                 <a:effectLst/>
                 <a:latin typeface="Microsoft YaHei UI Light" panose="020B0502040204020203" pitchFamily="34" charset="-122"/>
                 <a:ea typeface="Malgun Gothic" panose="020B0503020000020004" pitchFamily="50" charset="-127"/>
@@ -3996,7 +3963,7 @@
               </a:rPr>
               <a:t>관리자모드</a:t>
             </a:r>
-            <a:endParaRPr lang="ko-KR" altLang="en-US" sz="1200" b="0" i="0" dirty="0" smtClean="0">
+            <a:endParaRPr lang="ko-KR" altLang="en-US" sz="1200" b="0" i="0" dirty="0">
               <a:effectLst/>
               <a:latin typeface="Microsoft YaHei UI Light" panose="020B0502040204020203" pitchFamily="34" charset="-122"/>
               <a:ea typeface="Malgun Gothic" panose="020B0503020000020004" pitchFamily="50" charset="-127"/>
@@ -4005,7 +3972,7 @@
           <a:p>
             <a:pPr algn="ctr"/>
             <a:r>
-              <a:rPr lang="ko-KR" altLang="en-US" sz="1200" b="0" i="0" dirty="0" err="1" smtClean="0">
+              <a:rPr lang="ko-KR" altLang="en-US" sz="1200" b="0" i="0" dirty="0" err="1">
                 <a:effectLst/>
                 <a:latin typeface="Microsoft YaHei UI Light" panose="020B0502040204020203" pitchFamily="34" charset="-122"/>
                 <a:ea typeface="Malgun Gothic" panose="020B0503020000020004" pitchFamily="50" charset="-127"/>
@@ -4013,7 +3980,7 @@
               <a:t>좋은시스템</a:t>
             </a:r>
             <a:r>
-              <a:rPr lang="ko-KR" altLang="en-US" sz="1200" b="0" i="0" dirty="0" smtClean="0">
+              <a:rPr lang="ko-KR" altLang="en-US" sz="1200" b="0" i="0" dirty="0">
                 <a:effectLst/>
                 <a:latin typeface="Microsoft YaHei UI Light" panose="020B0502040204020203" pitchFamily="34" charset="-122"/>
                 <a:ea typeface="Malgun Gothic" panose="020B0503020000020004" pitchFamily="50" charset="-127"/>
@@ -4021,18 +3988,13 @@
               <a:t> 문의 메일 </a:t>
             </a:r>
             <a:r>
-              <a:rPr lang="en-US" altLang="ko-KR" sz="1200" b="0" i="0" dirty="0" smtClean="0">
+              <a:rPr lang="en-US" altLang="ko-KR" sz="1200" b="0" i="0" dirty="0">
                 <a:effectLst/>
                 <a:latin typeface="Microsoft YaHei UI Light" panose="020B0502040204020203" pitchFamily="34" charset="-122"/>
                 <a:ea typeface="Microsoft YaHei UI Light" panose="020B0502040204020203" pitchFamily="34" charset="-122"/>
               </a:rPr>
               <a:t>: webmaster@joeun.com</a:t>
             </a:r>
-            <a:endParaRPr lang="en-US" altLang="ko-KR" sz="1200" b="0" i="0" dirty="0">
-              <a:effectLst/>
-              <a:latin typeface="Microsoft YaHei UI Light" panose="020B0502040204020203" pitchFamily="34" charset="-122"/>
-              <a:ea typeface="Microsoft YaHei UI Light" panose="020B0502040204020203" pitchFamily="34" charset="-122"/>
-            </a:endParaRPr>
           </a:p>
         </p:txBody>
       </p:sp>
@@ -4046,13 +4008,6 @@
   <p:clrMapOvr>
     <a:masterClrMapping/>
   </p:clrMapOvr>
-  <p:timing>
-    <p:tnLst>
-      <p:par>
-        <p:cTn id="1" dur="indefinite" restart="never" nodeType="tmRoot"/>
-      </p:par>
-    </p:tnLst>
-  </p:timing>
 </p:sld>
 </file>
 
@@ -4130,13 +4085,6 @@
   <p:clrMapOvr>
     <a:masterClrMapping/>
   </p:clrMapOvr>
-  <p:timing>
-    <p:tnLst>
-      <p:par>
-        <p:cTn id="1" dur="indefinite" restart="never" nodeType="tmRoot"/>
-      </p:par>
-    </p:tnLst>
-  </p:timing>
 </p:sld>
 </file>
 
@@ -4400,16 +4348,6 @@
           <a:p>
             <a:pPr algn="ctr"/>
             <a:r>
-              <a:rPr lang="en-US" altLang="ko-KR" sz="1200" cap="all" dirty="0" smtClean="0">
-                <a:solidFill>
-                  <a:srgbClr val="423C32"/>
-                </a:solidFill>
-                <a:latin typeface="Microsoft YaHei UI Light" panose="020B0502040204020203" pitchFamily="34" charset="-122"/>
-                <a:ea typeface="Microsoft YaHei UI Light" panose="020B0502040204020203" pitchFamily="34" charset="-122"/>
-              </a:rPr>
-              <a:t>HISTORY</a:t>
-            </a:r>
-            <a:r>
               <a:rPr lang="en-US" altLang="ko-KR" sz="1200" cap="all" dirty="0">
                 <a:solidFill>
                   <a:srgbClr val="423C32"/>
@@ -4417,17 +4355,7 @@
                 <a:latin typeface="Microsoft YaHei UI Light" panose="020B0502040204020203" pitchFamily="34" charset="-122"/>
                 <a:ea typeface="Microsoft YaHei UI Light" panose="020B0502040204020203" pitchFamily="34" charset="-122"/>
               </a:rPr>
-              <a:t> </a:t>
-            </a:r>
-            <a:r>
-              <a:rPr lang="en-US" altLang="ko-KR" sz="1200" cap="all" dirty="0" smtClean="0">
-                <a:solidFill>
-                  <a:srgbClr val="423C32"/>
-                </a:solidFill>
-                <a:latin typeface="Microsoft YaHei UI Light" panose="020B0502040204020203" pitchFamily="34" charset="-122"/>
-                <a:ea typeface="Microsoft YaHei UI Light" panose="020B0502040204020203" pitchFamily="34" charset="-122"/>
-              </a:rPr>
-              <a:t>   	products        LOCATION        board</a:t>
+              <a:t>HISTORY    	products        LOCATION        board</a:t>
             </a:r>
             <a:endParaRPr lang="en-US" altLang="ko-KR" sz="1200" u="sng" dirty="0">
               <a:solidFill>
@@ -4661,18 +4589,13 @@
           <a:p>
             <a:pPr algn="ctr"/>
             <a:r>
-              <a:rPr lang="ko-KR" altLang="en-US" dirty="0" smtClean="0">
+              <a:rPr lang="ko-KR" altLang="en-US" dirty="0">
                 <a:solidFill>
                   <a:srgbClr val="423C32"/>
                 </a:solidFill>
               </a:rPr>
               <a:t>제품 보기</a:t>
             </a:r>
-            <a:endParaRPr lang="ko-KR" altLang="en-US" dirty="0">
-              <a:solidFill>
-                <a:srgbClr val="423C32"/>
-              </a:solidFill>
-            </a:endParaRPr>
           </a:p>
         </p:txBody>
       </p:sp>
@@ -4719,18 +4642,13 @@
           <a:p>
             <a:pPr algn="ctr"/>
             <a:r>
-              <a:rPr lang="ko-KR" altLang="en-US" dirty="0" smtClean="0">
+              <a:rPr lang="ko-KR" altLang="en-US" dirty="0">
                 <a:solidFill>
                   <a:schemeClr val="bg1"/>
                 </a:solidFill>
               </a:rPr>
               <a:t>매장 찾기</a:t>
             </a:r>
-            <a:endParaRPr lang="ko-KR" altLang="en-US" dirty="0">
-              <a:solidFill>
-                <a:schemeClr val="bg1"/>
-              </a:solidFill>
-            </a:endParaRPr>
           </a:p>
         </p:txBody>
       </p:sp>
@@ -4757,7 +4675,7 @@
           <a:p>
             <a:pPr algn="r"/>
             <a:r>
-              <a:rPr lang="ko-KR" altLang="en-US" sz="1200" cap="all" dirty="0" smtClean="0">
+              <a:rPr lang="ko-KR" altLang="en-US" sz="1200" cap="all" dirty="0">
                 <a:solidFill>
                   <a:srgbClr val="423C32"/>
                 </a:solidFill>
@@ -4767,7 +4685,7 @@
               <a:t>검색</a:t>
             </a:r>
             <a:r>
-              <a:rPr lang="en-US" altLang="ko-KR" sz="1200" cap="all" dirty="0" smtClean="0">
+              <a:rPr lang="en-US" altLang="ko-KR" sz="1200" cap="all" dirty="0">
                 <a:solidFill>
                   <a:srgbClr val="423C32"/>
                 </a:solidFill>
@@ -4777,7 +4695,7 @@
               <a:t>	</a:t>
             </a:r>
             <a:r>
-              <a:rPr lang="ko-KR" altLang="en-US" sz="1200" cap="all" dirty="0" smtClean="0">
+              <a:rPr lang="ko-KR" altLang="en-US" sz="1200" cap="all" dirty="0">
                 <a:solidFill>
                   <a:srgbClr val="423C32"/>
                 </a:solidFill>
@@ -4843,42 +4761,28 @@
                 <a:latin typeface="Microsoft YaHei UI Light" panose="020B0502040204020203" pitchFamily="34" charset="-122"/>
                 <a:ea typeface="Microsoft YaHei UI Light" panose="020B0502040204020203" pitchFamily="34" charset="-122"/>
               </a:rPr>
-              <a:t>ⓒ</a:t>
-            </a:r>
-            <a:r>
-              <a:rPr lang="en-US" altLang="ko-KR" sz="1100" dirty="0" smtClean="0">
+              <a:t>ⓒ2022 Giuseppe </a:t>
+            </a:r>
+            <a:r>
+              <a:rPr lang="en-US" altLang="ko-KR" sz="1100" dirty="0" err="1">
                 <a:latin typeface="Microsoft YaHei UI Light" panose="020B0502040204020203" pitchFamily="34" charset="-122"/>
                 <a:ea typeface="Microsoft YaHei UI Light" panose="020B0502040204020203" pitchFamily="34" charset="-122"/>
               </a:rPr>
-              <a:t>2022 Giuseppe </a:t>
-            </a:r>
-            <a:r>
-              <a:rPr lang="en-US" altLang="ko-KR" sz="1100" dirty="0" err="1" smtClean="0">
+              <a:t>Giusti</a:t>
+            </a:r>
+            <a:r>
+              <a:rPr lang="en-US" altLang="ko-KR" sz="1100" dirty="0">
                 <a:latin typeface="Microsoft YaHei UI Light" panose="020B0502040204020203" pitchFamily="34" charset="-122"/>
                 <a:ea typeface="Microsoft YaHei UI Light" panose="020B0502040204020203" pitchFamily="34" charset="-122"/>
               </a:rPr>
-              <a:t>Giusti</a:t>
-            </a:r>
-            <a:r>
-              <a:rPr lang="en-US" altLang="ko-KR" sz="1100" dirty="0" smtClean="0">
+              <a:t> </a:t>
+            </a:r>
+            <a:r>
+              <a:rPr lang="en-US" altLang="ko-KR" sz="1100" dirty="0" err="1">
                 <a:latin typeface="Microsoft YaHei UI Light" panose="020B0502040204020203" pitchFamily="34" charset="-122"/>
                 <a:ea typeface="Microsoft YaHei UI Light" panose="020B0502040204020203" pitchFamily="34" charset="-122"/>
               </a:rPr>
-              <a:t> </a:t>
-            </a:r>
-            <a:r>
-              <a:rPr lang="en-US" altLang="ko-KR" sz="1100" dirty="0" err="1" smtClean="0">
-                <a:latin typeface="Microsoft YaHei UI Light" panose="020B0502040204020203" pitchFamily="34" charset="-122"/>
-                <a:ea typeface="Microsoft YaHei UI Light" panose="020B0502040204020203" pitchFamily="34" charset="-122"/>
-              </a:rPr>
-              <a:t>Korea.Co</a:t>
-            </a:r>
-            <a:r>
-              <a:rPr lang="en-US" altLang="ko-KR" sz="1100" dirty="0" err="1">
-                <a:latin typeface="Microsoft YaHei UI Light" panose="020B0502040204020203" pitchFamily="34" charset="-122"/>
-                <a:ea typeface="Microsoft YaHei UI Light" panose="020B0502040204020203" pitchFamily="34" charset="-122"/>
-              </a:rPr>
-              <a:t>.,Ltd</a:t>
+              <a:t>Korea.Co.,Ltd</a:t>
             </a:r>
             <a:r>
               <a:rPr lang="en-US" altLang="ko-KR" sz="1100" dirty="0">
@@ -4955,7 +4859,7 @@
           <a:p>
             <a:pPr algn="ctr"/>
             <a:r>
-              <a:rPr lang="ko-KR" altLang="en-US" sz="1200" b="0" i="0" dirty="0" smtClean="0">
+              <a:rPr lang="ko-KR" altLang="en-US" sz="1200" b="0" i="0" dirty="0">
                 <a:effectLst/>
                 <a:latin typeface="Microsoft YaHei UI Light" panose="020B0502040204020203" pitchFamily="34" charset="-122"/>
                 <a:ea typeface="Malgun Gothic" panose="020B0503020000020004" pitchFamily="50" charset="-127"/>
@@ -4963,7 +4867,7 @@
               <a:t>서울시 </a:t>
             </a:r>
             <a:r>
-              <a:rPr lang="en-US" altLang="ko-KR" sz="1200" b="0" i="0" dirty="0" smtClean="0">
+              <a:rPr lang="en-US" altLang="ko-KR" sz="1200" b="0" i="0" dirty="0">
                 <a:effectLst/>
                 <a:latin typeface="Microsoft YaHei UI Light" panose="020B0502040204020203" pitchFamily="34" charset="-122"/>
                 <a:ea typeface="Microsoft YaHei UI Light" panose="020B0502040204020203" pitchFamily="34" charset="-122"/>
@@ -4971,7 +4875,7 @@
               <a:t>XX</a:t>
             </a:r>
             <a:r>
-              <a:rPr lang="ko-KR" altLang="en-US" sz="1200" b="0" i="0" dirty="0" smtClean="0">
+              <a:rPr lang="ko-KR" altLang="en-US" sz="1200" b="0" i="0" dirty="0">
                 <a:effectLst/>
                 <a:latin typeface="Microsoft YaHei UI Light" panose="020B0502040204020203" pitchFamily="34" charset="-122"/>
                 <a:ea typeface="Malgun Gothic" panose="020B0503020000020004" pitchFamily="50" charset="-127"/>
@@ -4979,7 +4883,7 @@
               <a:t>구 </a:t>
             </a:r>
             <a:r>
-              <a:rPr lang="en-US" altLang="ko-KR" sz="1200" b="0" i="0" dirty="0" smtClean="0">
+              <a:rPr lang="en-US" altLang="ko-KR" sz="1200" b="0" i="0" dirty="0">
                 <a:effectLst/>
                 <a:latin typeface="Microsoft YaHei UI Light" panose="020B0502040204020203" pitchFamily="34" charset="-122"/>
                 <a:ea typeface="Microsoft YaHei UI Light" panose="020B0502040204020203" pitchFamily="34" charset="-122"/>
@@ -4987,7 +4891,7 @@
               <a:t>XX</a:t>
             </a:r>
             <a:r>
-              <a:rPr lang="ko-KR" altLang="en-US" sz="1200" b="0" i="0" dirty="0" smtClean="0">
+              <a:rPr lang="ko-KR" altLang="en-US" sz="1200" b="0" i="0" dirty="0">
                 <a:effectLst/>
                 <a:latin typeface="Microsoft YaHei UI Light" panose="020B0502040204020203" pitchFamily="34" charset="-122"/>
                 <a:ea typeface="Malgun Gothic" panose="020B0503020000020004" pitchFamily="50" charset="-127"/>
@@ -4995,7 +4899,7 @@
               <a:t>로 </a:t>
             </a:r>
             <a:r>
-              <a:rPr lang="en-US" altLang="ko-KR" sz="1200" b="0" i="0" dirty="0" smtClean="0">
+              <a:rPr lang="en-US" altLang="ko-KR" sz="1200" b="0" i="0" dirty="0">
                 <a:effectLst/>
                 <a:latin typeface="Microsoft YaHei UI Light" panose="020B0502040204020203" pitchFamily="34" charset="-122"/>
                 <a:ea typeface="Microsoft YaHei UI Light" panose="020B0502040204020203" pitchFamily="34" charset="-122"/>
@@ -5003,7 +4907,7 @@
               <a:t>000 XXX</a:t>
             </a:r>
             <a:r>
-              <a:rPr lang="ko-KR" altLang="en-US" sz="1200" b="0" i="0" dirty="0" smtClean="0">
+              <a:rPr lang="ko-KR" altLang="en-US" sz="1200" b="0" i="0" dirty="0">
                 <a:effectLst/>
                 <a:latin typeface="Microsoft YaHei UI Light" panose="020B0502040204020203" pitchFamily="34" charset="-122"/>
                 <a:ea typeface="Malgun Gothic" panose="020B0503020000020004" pitchFamily="50" charset="-127"/>
@@ -5011,7 +4915,7 @@
               <a:t>빌딩 </a:t>
             </a:r>
             <a:r>
-              <a:rPr lang="en-US" altLang="ko-KR" sz="1200" b="0" i="0" dirty="0" smtClean="0">
+              <a:rPr lang="en-US" altLang="ko-KR" sz="1200" b="0" i="0" dirty="0">
                 <a:effectLst/>
                 <a:latin typeface="Microsoft YaHei UI Light" panose="020B0502040204020203" pitchFamily="34" charset="-122"/>
                 <a:ea typeface="Microsoft YaHei UI Light" panose="020B0502040204020203" pitchFamily="34" charset="-122"/>
@@ -5022,7 +4926,7 @@
           <a:p>
             <a:pPr algn="ctr"/>
             <a:r>
-              <a:rPr lang="ko-KR" altLang="en-US" sz="1200" b="0" i="0" dirty="0" smtClean="0">
+              <a:rPr lang="ko-KR" altLang="en-US" sz="1200" b="0" i="0" dirty="0">
                 <a:effectLst/>
                 <a:latin typeface="Microsoft YaHei UI Light" panose="020B0502040204020203" pitchFamily="34" charset="-122"/>
                 <a:ea typeface="Malgun Gothic" panose="020B0503020000020004" pitchFamily="50" charset="-127"/>
@@ -5030,7 +4934,7 @@
               <a:t>사업자등록번호 </a:t>
             </a:r>
             <a:r>
-              <a:rPr lang="en-US" altLang="ko-KR" sz="1200" b="0" i="0" dirty="0" smtClean="0">
+              <a:rPr lang="en-US" altLang="ko-KR" sz="1200" b="0" i="0" dirty="0">
                 <a:effectLst/>
                 <a:latin typeface="Microsoft YaHei UI Light" panose="020B0502040204020203" pitchFamily="34" charset="-122"/>
                 <a:ea typeface="Microsoft YaHei UI Light" panose="020B0502040204020203" pitchFamily="34" charset="-122"/>
@@ -5038,7 +4942,7 @@
               <a:t>: 000-12-00000 | </a:t>
             </a:r>
             <a:r>
-              <a:rPr lang="ko-KR" altLang="en-US" sz="1200" b="0" i="0" dirty="0" smtClean="0">
+              <a:rPr lang="ko-KR" altLang="en-US" sz="1200" b="0" i="0" dirty="0">
                 <a:effectLst/>
                 <a:latin typeface="Microsoft YaHei UI Light" panose="020B0502040204020203" pitchFamily="34" charset="-122"/>
                 <a:ea typeface="Malgun Gothic" panose="020B0503020000020004" pitchFamily="50" charset="-127"/>
@@ -5046,7 +4950,7 @@
               <a:t>통신판매업신로 </a:t>
             </a:r>
             <a:r>
-              <a:rPr lang="en-US" altLang="ko-KR" sz="1200" b="0" i="0" dirty="0" smtClean="0">
+              <a:rPr lang="en-US" altLang="ko-KR" sz="1200" b="0" i="0" dirty="0">
                 <a:effectLst/>
                 <a:latin typeface="Microsoft YaHei UI Light" panose="020B0502040204020203" pitchFamily="34" charset="-122"/>
                 <a:ea typeface="Microsoft YaHei UI Light" panose="020B0502040204020203" pitchFamily="34" charset="-122"/>
@@ -5054,7 +4958,7 @@
               <a:t>: </a:t>
             </a:r>
             <a:r>
-              <a:rPr lang="ko-KR" altLang="en-US" sz="1200" b="0" i="0" dirty="0" smtClean="0">
+              <a:rPr lang="ko-KR" altLang="en-US" sz="1200" b="0" i="0" dirty="0">
                 <a:effectLst/>
                 <a:latin typeface="Microsoft YaHei UI Light" panose="020B0502040204020203" pitchFamily="34" charset="-122"/>
                 <a:ea typeface="Malgun Gothic" panose="020B0503020000020004" pitchFamily="50" charset="-127"/>
@@ -5062,7 +4966,7 @@
               <a:t>종로 제</a:t>
             </a:r>
             <a:r>
-              <a:rPr lang="en-US" altLang="ko-KR" sz="1200" b="0" i="0" dirty="0" smtClean="0">
+              <a:rPr lang="en-US" altLang="ko-KR" sz="1200" b="0" i="0" dirty="0">
                 <a:effectLst/>
                 <a:latin typeface="Microsoft YaHei UI Light" panose="020B0502040204020203" pitchFamily="34" charset="-122"/>
                 <a:ea typeface="Microsoft YaHei UI Light" panose="020B0502040204020203" pitchFamily="34" charset="-122"/>
@@ -5070,7 +4974,7 @@
               <a:t>0000</a:t>
             </a:r>
             <a:r>
-              <a:rPr lang="ko-KR" altLang="en-US" sz="1200" b="0" i="0" dirty="0" smtClean="0">
+              <a:rPr lang="ko-KR" altLang="en-US" sz="1200" b="0" i="0" dirty="0">
                 <a:effectLst/>
                 <a:latin typeface="Microsoft YaHei UI Light" panose="020B0502040204020203" pitchFamily="34" charset="-122"/>
                 <a:ea typeface="Malgun Gothic" panose="020B0503020000020004" pitchFamily="50" charset="-127"/>
@@ -5078,7 +4982,7 @@
               <a:t>호 </a:t>
             </a:r>
             <a:r>
-              <a:rPr lang="en-US" altLang="ko-KR" sz="1200" b="0" i="0" dirty="0" smtClean="0">
+              <a:rPr lang="en-US" altLang="ko-KR" sz="1200" b="0" i="0" dirty="0">
                 <a:effectLst/>
                 <a:latin typeface="Microsoft YaHei UI Light" panose="020B0502040204020203" pitchFamily="34" charset="-122"/>
                 <a:ea typeface="Microsoft YaHei UI Light" panose="020B0502040204020203" pitchFamily="34" charset="-122"/>
@@ -5086,7 +4990,7 @@
               <a:t>| </a:t>
             </a:r>
             <a:r>
-              <a:rPr lang="ko-KR" altLang="en-US" sz="1200" b="0" i="0" dirty="0" smtClean="0">
+              <a:rPr lang="ko-KR" altLang="en-US" sz="1200" b="0" i="0" dirty="0">
                 <a:effectLst/>
                 <a:latin typeface="Microsoft YaHei UI Light" panose="020B0502040204020203" pitchFamily="34" charset="-122"/>
                 <a:ea typeface="Malgun Gothic" panose="020B0503020000020004" pitchFamily="50" charset="-127"/>
@@ -5094,7 +4998,7 @@
               </a:rPr>
               <a:t>관리자모드</a:t>
             </a:r>
-            <a:endParaRPr lang="ko-KR" altLang="en-US" sz="1200" b="0" i="0" dirty="0" smtClean="0">
+            <a:endParaRPr lang="ko-KR" altLang="en-US" sz="1200" b="0" i="0" dirty="0">
               <a:effectLst/>
               <a:latin typeface="Microsoft YaHei UI Light" panose="020B0502040204020203" pitchFamily="34" charset="-122"/>
               <a:ea typeface="Malgun Gothic" panose="020B0503020000020004" pitchFamily="50" charset="-127"/>
@@ -5103,7 +5007,7 @@
           <a:p>
             <a:pPr algn="ctr"/>
             <a:r>
-              <a:rPr lang="ko-KR" altLang="en-US" sz="1200" b="0" i="0" dirty="0" err="1" smtClean="0">
+              <a:rPr lang="ko-KR" altLang="en-US" sz="1200" b="0" i="0" dirty="0" err="1">
                 <a:effectLst/>
                 <a:latin typeface="Microsoft YaHei UI Light" panose="020B0502040204020203" pitchFamily="34" charset="-122"/>
                 <a:ea typeface="Malgun Gothic" panose="020B0503020000020004" pitchFamily="50" charset="-127"/>
@@ -5111,7 +5015,7 @@
               <a:t>좋은시스템</a:t>
             </a:r>
             <a:r>
-              <a:rPr lang="ko-KR" altLang="en-US" sz="1200" b="0" i="0" dirty="0" smtClean="0">
+              <a:rPr lang="ko-KR" altLang="en-US" sz="1200" b="0" i="0" dirty="0">
                 <a:effectLst/>
                 <a:latin typeface="Microsoft YaHei UI Light" panose="020B0502040204020203" pitchFamily="34" charset="-122"/>
                 <a:ea typeface="Malgun Gothic" panose="020B0503020000020004" pitchFamily="50" charset="-127"/>
@@ -5119,18 +5023,13 @@
               <a:t> 문의 메일 </a:t>
             </a:r>
             <a:r>
-              <a:rPr lang="en-US" altLang="ko-KR" sz="1200" b="0" i="0" dirty="0" smtClean="0">
+              <a:rPr lang="en-US" altLang="ko-KR" sz="1200" b="0" i="0" dirty="0">
                 <a:effectLst/>
                 <a:latin typeface="Microsoft YaHei UI Light" panose="020B0502040204020203" pitchFamily="34" charset="-122"/>
                 <a:ea typeface="Microsoft YaHei UI Light" panose="020B0502040204020203" pitchFamily="34" charset="-122"/>
               </a:rPr>
               <a:t>: webmaster@joeun.com</a:t>
             </a:r>
-            <a:endParaRPr lang="en-US" altLang="ko-KR" sz="1200" b="0" i="0" dirty="0">
-              <a:effectLst/>
-              <a:latin typeface="Microsoft YaHei UI Light" panose="020B0502040204020203" pitchFamily="34" charset="-122"/>
-              <a:ea typeface="Microsoft YaHei UI Light" panose="020B0502040204020203" pitchFamily="34" charset="-122"/>
-            </a:endParaRPr>
           </a:p>
         </p:txBody>
       </p:sp>
@@ -5144,13 +5043,6 @@
   <p:clrMapOvr>
     <a:masterClrMapping/>
   </p:clrMapOvr>
-  <p:timing>
-    <p:tnLst>
-      <p:par>
-        <p:cTn id="1" dur="indefinite" restart="never" nodeType="tmRoot"/>
-      </p:par>
-    </p:tnLst>
-  </p:timing>
 </p:sld>
 </file>
 
